--- a/Perifériák.pptx
+++ b/Perifériák.pptx
@@ -130,6 +130,9 @@
         </p14:section>
       </p14:sectionLst>
     </p:ext>
+    <p:ext uri="{EFAFB233-063F-42B5-8137-9DF3F51BA10A}">
+      <p15:sldGuideLst xmlns:p15="http://schemas.microsoft.com/office/powerpoint/2012/main"/>
+    </p:ext>
   </p:extLst>
 </p:presentation>
 </file>
@@ -347,7 +350,7 @@
           <a:p>
             <a:fld id="{EEF927F4-0A78-4353-8E4C-17EF62EAB8A0}" type="datetimeFigureOut">
               <a:rPr lang="hu-HU" smtClean="0"/>
-              <a:t>2022.09.13.</a:t>
+              <a:t>2022.09.14.</a:t>
             </a:fld>
             <a:endParaRPr lang="hu-HU"/>
           </a:p>
@@ -638,7 +641,7 @@
           <a:p>
             <a:fld id="{EEF927F4-0A78-4353-8E4C-17EF62EAB8A0}" type="datetimeFigureOut">
               <a:rPr lang="hu-HU" smtClean="0"/>
-              <a:t>2022.09.13.</a:t>
+              <a:t>2022.09.14.</a:t>
             </a:fld>
             <a:endParaRPr lang="hu-HU"/>
           </a:p>
@@ -897,7 +900,7 @@
           <a:p>
             <a:fld id="{EEF927F4-0A78-4353-8E4C-17EF62EAB8A0}" type="datetimeFigureOut">
               <a:rPr lang="hu-HU" smtClean="0"/>
-              <a:t>2022.09.13.</a:t>
+              <a:t>2022.09.14.</a:t>
             </a:fld>
             <a:endParaRPr lang="hu-HU"/>
           </a:p>
@@ -1366,7 +1369,7 @@
           <a:p>
             <a:fld id="{EEF927F4-0A78-4353-8E4C-17EF62EAB8A0}" type="datetimeFigureOut">
               <a:rPr lang="hu-HU" smtClean="0"/>
-              <a:t>2022.09.13.</a:t>
+              <a:t>2022.09.14.</a:t>
             </a:fld>
             <a:endParaRPr lang="hu-HU"/>
           </a:p>
@@ -1546,7 +1549,7 @@
           <a:p>
             <a:fld id="{EEF927F4-0A78-4353-8E4C-17EF62EAB8A0}" type="datetimeFigureOut">
               <a:rPr lang="hu-HU" smtClean="0"/>
-              <a:t>2022.09.13.</a:t>
+              <a:t>2022.09.14.</a:t>
             </a:fld>
             <a:endParaRPr lang="hu-HU"/>
           </a:p>
@@ -2122,7 +2125,7 @@
           <a:p>
             <a:fld id="{EEF927F4-0A78-4353-8E4C-17EF62EAB8A0}" type="datetimeFigureOut">
               <a:rPr lang="hu-HU" smtClean="0"/>
-              <a:t>2022.09.13.</a:t>
+              <a:t>2022.09.14.</a:t>
             </a:fld>
             <a:endParaRPr lang="hu-HU"/>
           </a:p>
@@ -2454,7 +2457,7 @@
           <a:p>
             <a:fld id="{EEF927F4-0A78-4353-8E4C-17EF62EAB8A0}" type="datetimeFigureOut">
               <a:rPr lang="hu-HU" smtClean="0"/>
-              <a:t>2022.09.13.</a:t>
+              <a:t>2022.09.14.</a:t>
             </a:fld>
             <a:endParaRPr lang="hu-HU"/>
           </a:p>
@@ -2629,7 +2632,7 @@
           <a:p>
             <a:fld id="{EEF927F4-0A78-4353-8E4C-17EF62EAB8A0}" type="datetimeFigureOut">
               <a:rPr lang="hu-HU" smtClean="0"/>
-              <a:t>2022.09.13.</a:t>
+              <a:t>2022.09.14.</a:t>
             </a:fld>
             <a:endParaRPr lang="hu-HU"/>
           </a:p>
@@ -2809,7 +2812,7 @@
           <a:p>
             <a:fld id="{EEF927F4-0A78-4353-8E4C-17EF62EAB8A0}" type="datetimeFigureOut">
               <a:rPr lang="hu-HU" smtClean="0"/>
-              <a:t>2022.09.13.</a:t>
+              <a:t>2022.09.14.</a:t>
             </a:fld>
             <a:endParaRPr lang="hu-HU"/>
           </a:p>
@@ -2979,7 +2982,7 @@
           <a:p>
             <a:fld id="{EEF927F4-0A78-4353-8E4C-17EF62EAB8A0}" type="datetimeFigureOut">
               <a:rPr lang="hu-HU" smtClean="0"/>
-              <a:t>2022.09.13.</a:t>
+              <a:t>2022.09.14.</a:t>
             </a:fld>
             <a:endParaRPr lang="hu-HU"/>
           </a:p>
@@ -3236,7 +3239,7 @@
           <a:p>
             <a:fld id="{EEF927F4-0A78-4353-8E4C-17EF62EAB8A0}" type="datetimeFigureOut">
               <a:rPr lang="hu-HU" smtClean="0"/>
-              <a:t>2022.09.13.</a:t>
+              <a:t>2022.09.14.</a:t>
             </a:fld>
             <a:endParaRPr lang="hu-HU"/>
           </a:p>
@@ -3528,7 +3531,7 @@
           <a:p>
             <a:fld id="{EEF927F4-0A78-4353-8E4C-17EF62EAB8A0}" type="datetimeFigureOut">
               <a:rPr lang="hu-HU" smtClean="0"/>
-              <a:t>2022.09.13.</a:t>
+              <a:t>2022.09.14.</a:t>
             </a:fld>
             <a:endParaRPr lang="hu-HU"/>
           </a:p>
@@ -3958,7 +3961,7 @@
           <a:p>
             <a:fld id="{EEF927F4-0A78-4353-8E4C-17EF62EAB8A0}" type="datetimeFigureOut">
               <a:rPr lang="hu-HU" smtClean="0"/>
-              <a:t>2022.09.13.</a:t>
+              <a:t>2022.09.14.</a:t>
             </a:fld>
             <a:endParaRPr lang="hu-HU"/>
           </a:p>
@@ -4076,7 +4079,7 @@
           <a:p>
             <a:fld id="{EEF927F4-0A78-4353-8E4C-17EF62EAB8A0}" type="datetimeFigureOut">
               <a:rPr lang="hu-HU" smtClean="0"/>
-              <a:t>2022.09.13.</a:t>
+              <a:t>2022.09.14.</a:t>
             </a:fld>
             <a:endParaRPr lang="hu-HU"/>
           </a:p>
@@ -4171,7 +4174,7 @@
           <a:p>
             <a:fld id="{EEF927F4-0A78-4353-8E4C-17EF62EAB8A0}" type="datetimeFigureOut">
               <a:rPr lang="hu-HU" smtClean="0"/>
-              <a:t>2022.09.13.</a:t>
+              <a:t>2022.09.14.</a:t>
             </a:fld>
             <a:endParaRPr lang="hu-HU"/>
           </a:p>
@@ -4454,7 +4457,7 @@
           <a:p>
             <a:fld id="{EEF927F4-0A78-4353-8E4C-17EF62EAB8A0}" type="datetimeFigureOut">
               <a:rPr lang="hu-HU" smtClean="0"/>
-              <a:t>2022.09.13.</a:t>
+              <a:t>2022.09.14.</a:t>
             </a:fld>
             <a:endParaRPr lang="hu-HU"/>
           </a:p>
@@ -4745,7 +4748,7 @@
           <a:p>
             <a:fld id="{EEF927F4-0A78-4353-8E4C-17EF62EAB8A0}" type="datetimeFigureOut">
               <a:rPr lang="hu-HU" smtClean="0"/>
-              <a:t>2022.09.13.</a:t>
+              <a:t>2022.09.14.</a:t>
             </a:fld>
             <a:endParaRPr lang="hu-HU"/>
           </a:p>
@@ -4976,7 +4979,7 @@
           <a:p>
             <a:fld id="{EEF927F4-0A78-4353-8E4C-17EF62EAB8A0}" type="datetimeFigureOut">
               <a:rPr lang="hu-HU" smtClean="0"/>
-              <a:t>2022.09.13.</a:t>
+              <a:t>2022.09.14.</a:t>
             </a:fld>
             <a:endParaRPr lang="hu-HU"/>
           </a:p>
@@ -6009,10 +6012,6 @@
               </a:rPr>
               <a:t> képességeit bővíthetjük.</a:t>
             </a:r>
-            <a:endParaRPr lang="hu-HU" dirty="0">
-              <a:latin typeface="Times New Roman" panose="02020603050405020304" pitchFamily="18" charset="0"/>
-              <a:cs typeface="Times New Roman" panose="02020603050405020304" pitchFamily="18" charset="0"/>
-            </a:endParaRPr>
           </a:p>
         </p:txBody>
       </p:sp>
@@ -7518,9 +7517,6 @@
               </a:rPr>
               <a:t>Gyorsabb</a:t>
             </a:r>
-            <a:endParaRPr lang="hu-HU" dirty="0" smtClean="0">
-              <a:effectLst/>
-            </a:endParaRPr>
           </a:p>
         </p:txBody>
       </p:sp>
@@ -7577,22 +7573,95 @@
           </a:p>
         </p:txBody>
       </p:sp>
-      <p:sp>
-        <p:nvSpPr>
-          <p:cNvPr id="3" name="Tartalom helye 2"/>
-          <p:cNvSpPr>
-            <a:spLocks noGrp="1"/>
-          </p:cNvSpPr>
+      <p:pic>
+        <p:nvPicPr>
+          <p:cNvPr id="4" name="Tartalom helye 3"/>
+          <p:cNvPicPr>
+            <a:picLocks noGrp="1" noChangeAspect="1"/>
+          </p:cNvPicPr>
           <p:nvPr>
             <p:ph idx="1"/>
           </p:nvPr>
-        </p:nvSpPr>
-        <p:spPr/>
-        <p:txBody>
-          <a:bodyPr/>
+        </p:nvPicPr>
+        <p:blipFill>
+          <a:blip r:embed="rId2" cstate="print">
+            <a:extLst>
+              <a:ext uri="{28A0092B-C50C-407E-A947-70E740481C1C}">
+                <a14:useLocalDpi xmlns:a14="http://schemas.microsoft.com/office/drawing/2010/main" val="0"/>
+              </a:ext>
+            </a:extLst>
+          </a:blip>
+          <a:stretch>
+            <a:fillRect/>
+          </a:stretch>
+        </p:blipFill>
+        <p:spPr>
+          <a:xfrm>
+            <a:off x="323266" y="3551178"/>
+            <a:ext cx="4089163" cy="3009624"/>
+          </a:xfrm>
+        </p:spPr>
+      </p:pic>
+      <p:pic>
+        <p:nvPicPr>
+          <p:cNvPr id="5" name="Kép 4"/>
+          <p:cNvPicPr>
+            <a:picLocks noChangeAspect="1"/>
+          </p:cNvPicPr>
+          <p:nvPr/>
+        </p:nvPicPr>
+        <p:blipFill>
+          <a:blip r:embed="rId3">
+            <a:extLst>
+              <a:ext uri="{28A0092B-C50C-407E-A947-70E740481C1C}">
+                <a14:useLocalDpi xmlns:a14="http://schemas.microsoft.com/office/drawing/2010/main" val="0"/>
+              </a:ext>
+            </a:extLst>
+          </a:blip>
+          <a:stretch>
+            <a:fillRect/>
+          </a:stretch>
+        </p:blipFill>
+        <p:spPr>
+          <a:xfrm>
+            <a:off x="7363326" y="3619081"/>
+            <a:ext cx="3922295" cy="2941721"/>
+          </a:xfrm>
+          <a:prstGeom prst="rect">
+            <a:avLst/>
+          </a:prstGeom>
+        </p:spPr>
+      </p:pic>
+      <p:sp>
+        <p:nvSpPr>
+          <p:cNvPr id="6" name="Téglalap 5"/>
+          <p:cNvSpPr/>
+          <p:nvPr/>
+        </p:nvSpPr>
+        <p:spPr>
+          <a:xfrm>
+            <a:off x="1141413" y="2029441"/>
+            <a:ext cx="6709611" cy="646331"/>
+          </a:xfrm>
+          <a:prstGeom prst="rect">
+            <a:avLst/>
+          </a:prstGeom>
+        </p:spPr>
+        <p:txBody>
+          <a:bodyPr wrap="square">
+            <a:spAutoFit/>
+          </a:bodyPr>
           <a:lstStyle/>
           <a:p>
-            <a:endParaRPr lang="hu-HU"/>
+            <a:r>
+              <a:rPr lang="hu-HU" dirty="0"/>
+              <a:t>Ezek azok az eszközök, amelyek a számítógépbe történő adatbevitelt biztosítják</a:t>
+            </a:r>
+            <a:r>
+              <a:rPr lang="hu-HU" dirty="0" smtClean="0"/>
+              <a:t>.</a:t>
+            </a:r>
+            <a:endParaRPr lang="hu-HU" dirty="0"/>
           </a:p>
         </p:txBody>
       </p:sp>
@@ -7636,7 +7705,12 @@
             <p:ph type="title"/>
           </p:nvPr>
         </p:nvSpPr>
-        <p:spPr/>
+        <p:spPr>
+          <a:xfrm>
+            <a:off x="1141413" y="166119"/>
+            <a:ext cx="9905998" cy="1905000"/>
+          </a:xfrm>
+        </p:spPr>
         <p:txBody>
           <a:bodyPr/>
           <a:lstStyle/>
@@ -7649,25 +7723,93 @@
           </a:p>
         </p:txBody>
       </p:sp>
-      <p:sp>
-        <p:nvSpPr>
-          <p:cNvPr id="3" name="Tartalom helye 2"/>
-          <p:cNvSpPr>
-            <a:spLocks noGrp="1"/>
-          </p:cNvSpPr>
+      <p:pic>
+        <p:nvPicPr>
+          <p:cNvPr id="4" name="Tartalom helye 3"/>
+          <p:cNvPicPr>
+            <a:picLocks noGrp="1" noChangeAspect="1"/>
+          </p:cNvPicPr>
           <p:nvPr>
             <p:ph idx="1"/>
           </p:nvPr>
-        </p:nvSpPr>
-        <p:spPr/>
-        <p:txBody>
-          <a:bodyPr/>
+        </p:nvPicPr>
+        <p:blipFill>
+          <a:blip r:embed="rId2" cstate="print">
+            <a:extLst>
+              <a:ext uri="{28A0092B-C50C-407E-A947-70E740481C1C}">
+                <a14:useLocalDpi xmlns:a14="http://schemas.microsoft.com/office/drawing/2010/main" val="0"/>
+              </a:ext>
+            </a:extLst>
+          </a:blip>
+          <a:stretch>
+            <a:fillRect/>
+          </a:stretch>
+        </p:blipFill>
+        <p:spPr>
+          <a:xfrm>
+            <a:off x="241315" y="3858126"/>
+            <a:ext cx="5678221" cy="2725629"/>
+          </a:xfrm>
+        </p:spPr>
+      </p:pic>
+      <p:sp>
+        <p:nvSpPr>
+          <p:cNvPr id="5" name="Téglalap 4"/>
+          <p:cNvSpPr/>
+          <p:nvPr/>
+        </p:nvSpPr>
+        <p:spPr>
+          <a:xfrm>
+            <a:off x="1141413" y="2071119"/>
+            <a:ext cx="6096000" cy="646331"/>
+          </a:xfrm>
+          <a:prstGeom prst="rect">
+            <a:avLst/>
+          </a:prstGeom>
+        </p:spPr>
+        <p:txBody>
+          <a:bodyPr>
+            <a:spAutoFit/>
+          </a:bodyPr>
           <a:lstStyle/>
           <a:p>
-            <a:endParaRPr lang="hu-HU"/>
-          </a:p>
-        </p:txBody>
-      </p:sp>
+            <a:r>
+              <a:rPr lang="hu-HU" dirty="0"/>
+              <a:t>Ezeknek a perifériáknak köszönhetően jelenik meg az információ a számunkra.</a:t>
+            </a:r>
+          </a:p>
+        </p:txBody>
+      </p:sp>
+      <p:pic>
+        <p:nvPicPr>
+          <p:cNvPr id="6" name="Kép 5"/>
+          <p:cNvPicPr>
+            <a:picLocks noChangeAspect="1"/>
+          </p:cNvPicPr>
+          <p:nvPr/>
+        </p:nvPicPr>
+        <p:blipFill>
+          <a:blip r:embed="rId3">
+            <a:extLst>
+              <a:ext uri="{28A0092B-C50C-407E-A947-70E740481C1C}">
+                <a14:useLocalDpi xmlns:a14="http://schemas.microsoft.com/office/drawing/2010/main" val="0"/>
+              </a:ext>
+            </a:extLst>
+          </a:blip>
+          <a:stretch>
+            <a:fillRect/>
+          </a:stretch>
+        </p:blipFill>
+        <p:spPr>
+          <a:xfrm>
+            <a:off x="6924853" y="3274683"/>
+            <a:ext cx="4938284" cy="3309072"/>
+          </a:xfrm>
+          <a:prstGeom prst="rect">
+            <a:avLst/>
+          </a:prstGeom>
+        </p:spPr>
+      </p:pic>
     </p:spTree>
     <p:extLst>
       <p:ext uri="{BB962C8B-B14F-4D97-AF65-F5344CB8AC3E}">
@@ -7756,6 +7898,21 @@
                 <a:hlinkClick r:id="rId3"/>
               </a:rPr>
               <a:t>hu.wikipedia.org/wiki/Merevlemez</a:t>
+            </a:r>
+            <a:endParaRPr lang="hu-HU" dirty="0" smtClean="0"/>
+          </a:p>
+          <a:p>
+            <a:r>
+              <a:rPr lang="hu-HU" dirty="0">
+                <a:hlinkClick r:id="rId4"/>
+              </a:rPr>
+              <a:t>https://</a:t>
+            </a:r>
+            <a:r>
+              <a:rPr lang="hu-HU" dirty="0" smtClean="0">
+                <a:hlinkClick r:id="rId4"/>
+              </a:rPr>
+              <a:t>www.dvdolcson.eu/bemeneti-es-kimeneti-periferiak</a:t>
             </a:r>
             <a:endParaRPr lang="hu-HU" dirty="0" smtClean="0"/>
           </a:p>
